--- a/PPT.pptx
+++ b/PPT.pptx
@@ -3111,7 +3111,7 @@
               </a:defRPr>
             </a:pPr>
             <a:r>
-              <a:t>Streamlit,</a:t>
+              <a:t>Basketball and Height</a:t>
             </a:r>
           </a:p>
         </p:txBody>
@@ -3137,7 +3137,7 @@
               </a:defRPr>
             </a:pPr>
             <a:r>
-              <a:t>Streamlit is a Python-based framework that allows data scientists to create and deploy interactive web applications without having to write much code.</a:t>
+              <a:t>Basketball is a sport that has been associated with height since its inception. Here are ten points that elucidate the relationship between basketball and height:</a:t>
             </a:r>
           </a:p>
           <a:p>
@@ -3147,7 +3147,7 @@
               </a:defRPr>
             </a:pPr>
             <a:r>
-              <a:t>Streamlit is built on Python and allows developers to create and share interactive web applications without having to write HTML, CSS or JavaScript.</a:t>
+              <a:t>Height is a crucial factor in basketball because it gives a player an advantage in several ways. The taller a player is, the higher they can reach, giving them an advantage in rebounding, blocking shots, and shooting over defenders.</a:t>
             </a:r>
           </a:p>
           <a:p>
@@ -3157,7 +3157,7 @@
               </a:defRPr>
             </a:pPr>
             <a:r>
-              <a:t>The framework comes with a simple and intuitive API that makes building ML applications a breeze.</a:t>
+              <a:t>Basketball is considered a sport where players have to elevate and shoot precisely. Taller players have a higher center of gravity, which aids in their ability to jump, and hence they can jump higher and more frequently.</a:t>
             </a:r>
           </a:p>
           <a:p>
@@ -3167,7 +3167,7 @@
               </a:defRPr>
             </a:pPr>
             <a:r>
-              <a:t>Developers can create everything from simple data visualizations to complex machine learning models all within a single Python script.</a:t>
+              <a:t>Tall players contribute to a team’s success because of their versatility. They can play both offensive and defensive positions, guard multiple players, and dominate the paint area.</a:t>
             </a:r>
           </a:p>
           <a:p>
@@ -3177,7 +3177,7 @@
               </a:defRPr>
             </a:pPr>
             <a:r>
-              <a:t>Streamlit makes it easy to explore data, create interactive dashboards and prototypes, and share them with other people.</a:t>
+              <a:t>However, being tall is not the sole determinant of success in basketball. A player's coordination, speed, agility, and skill level also play a part. Many shorter players have made their mark in the sport, such as Allen Iverson, Stephen Curry, and Isaiah Thomas.</a:t>
             </a:r>
           </a:p>
         </p:txBody>
@@ -3221,7 +3221,7 @@
               </a:defRPr>
             </a:pPr>
             <a:r>
-              <a:t>Streamlit,</a:t>
+              <a:t>Basketball and Height</a:t>
             </a:r>
           </a:p>
         </p:txBody>
@@ -3247,7 +3247,7 @@
               </a:defRPr>
             </a:pPr>
             <a:r>
-              <a:t>The framework has a rapidly growing user base and an active community, making it easy to find support and resources when building an application.</a:t>
+              <a:t>The average height of a basketball player in the NBA is approximately six feet seven inches (2.01 meters). This measurement has steadily increased over the years, with many successful players standing at seven feet or higher.</a:t>
             </a:r>
           </a:p>
           <a:p>
@@ -3257,7 +3257,7 @@
               </a:defRPr>
             </a:pPr>
             <a:r>
-              <a:t>Streamlit supports several popular machine learning libraries like TensorFlow, PyTorch, and scikit-learn, making it easy to integrate models into an application.</a:t>
+              <a:t>The correlation between height and success in basketball has led to a focus on height in recruiting. As a result, some schools and teams prioritize recruiting tall players, leading to a shortage of opportunities for shorter players.</a:t>
             </a:r>
           </a:p>
           <a:p>
@@ -3267,7 +3267,7 @@
               </a:defRPr>
             </a:pPr>
             <a:r>
-              <a:t>The framework comes with built-in widgets that allow developers to create custom user interfaces for their apps easily.</a:t>
+              <a:t>Some countries, such as China, have adopted height-boosting measures in basketball. Children in China are now taken to specialized basketball schools and fed diets that aim to maximize their growth potential.</a:t>
             </a:r>
           </a:p>
           <a:p>
@@ -3277,7 +3277,7 @@
               </a:defRPr>
             </a:pPr>
             <a:r>
-              <a:t>Deploying a Streamlit application is as simple as running a command, making it easy to share prototypes and applications online.</a:t>
+              <a:t>Genetic factors also play a role in height, and this is reflected in basketball. Studies show that children with taller parents are more likely to grow taller, leading to greater opportunities in basketball.</a:t>
             </a:r>
           </a:p>
           <a:p>
@@ -3287,7 +3287,7 @@
               </a:defRPr>
             </a:pPr>
             <a:r>
-              <a:t>Streamlit is designed for rapid application development, enabling developers to quickly experiment with new ideas and iterate on existing ones.</a:t>
+              <a:t>The increased emphasis on height in basketball can also lead to negative stereotypes of shorter players. Shorter players may face skepticism and may not receive the same treatment as taller players from coaches, teammates, or fans.</a:t>
             </a:r>
           </a:p>
           <a:p>
@@ -3297,7 +3297,7 @@
               </a:defRPr>
             </a:pPr>
             <a:r>
-              <a:t>The framework is open-source and free to use, making it accessible to developers of all levels of experience.</a:t>
+              <a:t>In conclusion, height is undoubtedly an important factor in basketball. However, it is not the only factor, and there are many examples of successful players who have overcome their lack of height. Therefore, it is essential to foster an inclusive basketball environment where players of all heights are valued and given the same opportunities.</a:t>
             </a:r>
           </a:p>
         </p:txBody>
@@ -3322,7 +3322,7 @@
       <p:grpSpPr/>
       <p:pic>
         <p:nvPicPr>
-          <p:cNvPr id="2" name="Picture 1" descr="data-apps.png"/>
+          <p:cNvPr id="2" name="Picture 1" descr="basketball-goals-967315585656-c3_600.jpg"/>
           <p:cNvPicPr>
             <a:picLocks noChangeAspect="1"/>
           </p:cNvPicPr>
